--- a/기획/종합설계기획 제안서.pptx
+++ b/기획/종합설계기획 제안서.pptx
@@ -273,7 +273,7 @@
           <a:p>
             <a:fld id="{CA8F5EA6-CF04-4C95-8F3E-F226345CF53C}" type="datetimeFigureOut">
               <a:rPr lang="ko-KR" altLang="en-US" smtClean="0"/>
-              <a:t>2021-12-03</a:t>
+              <a:t>2021-12-04</a:t>
             </a:fld>
             <a:endParaRPr lang="ko-KR" altLang="en-US"/>
           </a:p>
@@ -471,7 +471,7 @@
           <a:p>
             <a:fld id="{CA8F5EA6-CF04-4C95-8F3E-F226345CF53C}" type="datetimeFigureOut">
               <a:rPr lang="ko-KR" altLang="en-US" smtClean="0"/>
-              <a:t>2021-12-03</a:t>
+              <a:t>2021-12-04</a:t>
             </a:fld>
             <a:endParaRPr lang="ko-KR" altLang="en-US"/>
           </a:p>
@@ -679,7 +679,7 @@
           <a:p>
             <a:fld id="{CA8F5EA6-CF04-4C95-8F3E-F226345CF53C}" type="datetimeFigureOut">
               <a:rPr lang="ko-KR" altLang="en-US" smtClean="0"/>
-              <a:t>2021-12-03</a:t>
+              <a:t>2021-12-04</a:t>
             </a:fld>
             <a:endParaRPr lang="ko-KR" altLang="en-US"/>
           </a:p>
@@ -877,7 +877,7 @@
           <a:p>
             <a:fld id="{CA8F5EA6-CF04-4C95-8F3E-F226345CF53C}" type="datetimeFigureOut">
               <a:rPr lang="ko-KR" altLang="en-US" smtClean="0"/>
-              <a:t>2021-12-03</a:t>
+              <a:t>2021-12-04</a:t>
             </a:fld>
             <a:endParaRPr lang="ko-KR" altLang="en-US"/>
           </a:p>
@@ -1152,7 +1152,7 @@
           <a:p>
             <a:fld id="{CA8F5EA6-CF04-4C95-8F3E-F226345CF53C}" type="datetimeFigureOut">
               <a:rPr lang="ko-KR" altLang="en-US" smtClean="0"/>
-              <a:t>2021-12-03</a:t>
+              <a:t>2021-12-04</a:t>
             </a:fld>
             <a:endParaRPr lang="ko-KR" altLang="en-US"/>
           </a:p>
@@ -1417,7 +1417,7 @@
           <a:p>
             <a:fld id="{CA8F5EA6-CF04-4C95-8F3E-F226345CF53C}" type="datetimeFigureOut">
               <a:rPr lang="ko-KR" altLang="en-US" smtClean="0"/>
-              <a:t>2021-12-03</a:t>
+              <a:t>2021-12-04</a:t>
             </a:fld>
             <a:endParaRPr lang="ko-KR" altLang="en-US"/>
           </a:p>
@@ -1829,7 +1829,7 @@
           <a:p>
             <a:fld id="{CA8F5EA6-CF04-4C95-8F3E-F226345CF53C}" type="datetimeFigureOut">
               <a:rPr lang="ko-KR" altLang="en-US" smtClean="0"/>
-              <a:t>2021-12-03</a:t>
+              <a:t>2021-12-04</a:t>
             </a:fld>
             <a:endParaRPr lang="ko-KR" altLang="en-US"/>
           </a:p>
@@ -1970,7 +1970,7 @@
           <a:p>
             <a:fld id="{CA8F5EA6-CF04-4C95-8F3E-F226345CF53C}" type="datetimeFigureOut">
               <a:rPr lang="ko-KR" altLang="en-US" smtClean="0"/>
-              <a:t>2021-12-03</a:t>
+              <a:t>2021-12-04</a:t>
             </a:fld>
             <a:endParaRPr lang="ko-KR" altLang="en-US"/>
           </a:p>
@@ -2083,7 +2083,7 @@
           <a:p>
             <a:fld id="{CA8F5EA6-CF04-4C95-8F3E-F226345CF53C}" type="datetimeFigureOut">
               <a:rPr lang="ko-KR" altLang="en-US" smtClean="0"/>
-              <a:t>2021-12-03</a:t>
+              <a:t>2021-12-04</a:t>
             </a:fld>
             <a:endParaRPr lang="ko-KR" altLang="en-US"/>
           </a:p>
@@ -2394,7 +2394,7 @@
           <a:p>
             <a:fld id="{CA8F5EA6-CF04-4C95-8F3E-F226345CF53C}" type="datetimeFigureOut">
               <a:rPr lang="ko-KR" altLang="en-US" smtClean="0"/>
-              <a:t>2021-12-03</a:t>
+              <a:t>2021-12-04</a:t>
             </a:fld>
             <a:endParaRPr lang="ko-KR" altLang="en-US"/>
           </a:p>
@@ -2682,7 +2682,7 @@
           <a:p>
             <a:fld id="{CA8F5EA6-CF04-4C95-8F3E-F226345CF53C}" type="datetimeFigureOut">
               <a:rPr lang="ko-KR" altLang="en-US" smtClean="0"/>
-              <a:t>2021-12-03</a:t>
+              <a:t>2021-12-04</a:t>
             </a:fld>
             <a:endParaRPr lang="ko-KR" altLang="en-US"/>
           </a:p>
@@ -2923,7 +2923,7 @@
           <a:p>
             <a:fld id="{CA8F5EA6-CF04-4C95-8F3E-F226345CF53C}" type="datetimeFigureOut">
               <a:rPr lang="ko-KR" altLang="en-US" smtClean="0"/>
-              <a:t>2021-12-03</a:t>
+              <a:t>2021-12-04</a:t>
             </a:fld>
             <a:endParaRPr lang="ko-KR" altLang="en-US"/>
           </a:p>
@@ -3825,7 +3825,7 @@
         </p:nvSpPr>
         <p:spPr>
           <a:xfrm>
-            <a:off x="438986" y="2890391"/>
+            <a:off x="298306" y="2890391"/>
             <a:ext cx="4641014" cy="1077218"/>
           </a:xfrm>
           <a:prstGeom prst="rect">
@@ -3894,7 +3894,7 @@
         </p:nvSpPr>
         <p:spPr>
           <a:xfrm>
-            <a:off x="438986" y="1166244"/>
+            <a:off x="298306" y="1166244"/>
             <a:ext cx="4617546" cy="1077218"/>
           </a:xfrm>
           <a:prstGeom prst="rect">
@@ -3979,7 +3979,7 @@
         </p:nvSpPr>
         <p:spPr>
           <a:xfrm>
-            <a:off x="438986" y="4747195"/>
+            <a:off x="298306" y="4747195"/>
             <a:ext cx="4846198" cy="1077218"/>
           </a:xfrm>
           <a:prstGeom prst="rect">
@@ -4043,6 +4043,333 @@
                 <a:ea typeface="나눔바른고딕OTF Light" panose="02000303000000000000" pitchFamily="50" charset="-127"/>
               </a:rPr>
               <a:t> 이용한 렌더링 속도 향상</a:t>
+            </a:r>
+          </a:p>
+        </p:txBody>
+      </p:sp>
+      <p:sp>
+        <p:nvSpPr>
+          <p:cNvPr id="9" name="TextBox 8">
+            <a:extLst>
+              <a:ext uri="{FF2B5EF4-FFF2-40B4-BE49-F238E27FC236}">
+                <a16:creationId xmlns:a16="http://schemas.microsoft.com/office/drawing/2014/main" id="{EA21F5D1-E1EE-4B5F-A649-CE15381A372D}"/>
+              </a:ext>
+            </a:extLst>
+          </p:cNvPr>
+          <p:cNvSpPr txBox="1"/>
+          <p:nvPr/>
+        </p:nvSpPr>
+        <p:spPr>
+          <a:xfrm>
+            <a:off x="5955320" y="1159552"/>
+            <a:ext cx="5654112" cy="1077218"/>
+          </a:xfrm>
+          <a:prstGeom prst="rect">
+            <a:avLst/>
+          </a:prstGeom>
+          <a:noFill/>
+        </p:spPr>
+        <p:txBody>
+          <a:bodyPr wrap="none" rtlCol="0">
+            <a:spAutoFit/>
+          </a:bodyPr>
+          <a:lstStyle/>
+          <a:p>
+            <a:r>
+              <a:rPr lang="ko-KR" altLang="en-US" sz="4000" dirty="0">
+                <a:solidFill>
+                  <a:schemeClr val="tx1">
+                    <a:lumMod val="85000"/>
+                    <a:lumOff val="15000"/>
+                  </a:schemeClr>
+                </a:solidFill>
+                <a:latin typeface="Noto Sans KR Black" panose="020B0A00000000000000" pitchFamily="34" charset="-127"/>
+                <a:ea typeface="Noto Sans KR Black" panose="020B0A00000000000000" pitchFamily="34" charset="-127"/>
+              </a:rPr>
+              <a:t>시야 처리</a:t>
+            </a:r>
+          </a:p>
+          <a:p>
+            <a:r>
+              <a:rPr lang="ko-KR" altLang="en-US" sz="2400" dirty="0">
+                <a:solidFill>
+                  <a:schemeClr val="tx1">
+                    <a:lumMod val="85000"/>
+                    <a:lumOff val="15000"/>
+                  </a:schemeClr>
+                </a:solidFill>
+                <a:latin typeface="나눔바른고딕OTF Light" panose="02000303000000000000" pitchFamily="50" charset="-127"/>
+                <a:ea typeface="나눔바른고딕OTF Light" panose="02000303000000000000" pitchFamily="50" charset="-127"/>
+              </a:rPr>
+              <a:t>필요한 계산만 처리하여 서버 부하 감소</a:t>
+            </a:r>
+          </a:p>
+        </p:txBody>
+      </p:sp>
+      <p:sp>
+        <p:nvSpPr>
+          <p:cNvPr id="10" name="TextBox 9">
+            <a:extLst>
+              <a:ext uri="{FF2B5EF4-FFF2-40B4-BE49-F238E27FC236}">
+                <a16:creationId xmlns:a16="http://schemas.microsoft.com/office/drawing/2014/main" id="{8907833E-73DB-4C4B-8A63-654D576E9A0D}"/>
+              </a:ext>
+            </a:extLst>
+          </p:cNvPr>
+          <p:cNvSpPr txBox="1"/>
+          <p:nvPr/>
+        </p:nvSpPr>
+        <p:spPr>
+          <a:xfrm>
+            <a:off x="5955319" y="2890391"/>
+            <a:ext cx="5056705" cy="1077218"/>
+          </a:xfrm>
+          <a:prstGeom prst="rect">
+            <a:avLst/>
+          </a:prstGeom>
+          <a:noFill/>
+        </p:spPr>
+        <p:txBody>
+          <a:bodyPr wrap="none" rtlCol="0">
+            <a:spAutoFit/>
+          </a:bodyPr>
+          <a:lstStyle/>
+          <a:p>
+            <a:r>
+              <a:rPr lang="en-US" altLang="ko-KR" sz="4000" dirty="0">
+                <a:solidFill>
+                  <a:schemeClr val="tx1">
+                    <a:lumMod val="85000"/>
+                    <a:lumOff val="15000"/>
+                  </a:schemeClr>
+                </a:solidFill>
+                <a:latin typeface="Noto Sans KR Black" panose="020B0A00000000000000" pitchFamily="34" charset="-127"/>
+                <a:ea typeface="Noto Sans KR Black" panose="020B0A00000000000000" pitchFamily="34" charset="-127"/>
+              </a:rPr>
+              <a:t>NPC AI</a:t>
+            </a:r>
+            <a:endParaRPr lang="ko-KR" altLang="en-US" sz="4000" dirty="0">
+              <a:solidFill>
+                <a:schemeClr val="tx1">
+                  <a:lumMod val="85000"/>
+                  <a:lumOff val="15000"/>
+                </a:schemeClr>
+              </a:solidFill>
+              <a:latin typeface="Noto Sans KR Black" panose="020B0A00000000000000" pitchFamily="34" charset="-127"/>
+              <a:ea typeface="Noto Sans KR Black" panose="020B0A00000000000000" pitchFamily="34" charset="-127"/>
+            </a:endParaRPr>
+          </a:p>
+          <a:p>
+            <a:r>
+              <a:rPr lang="en-US" altLang="ko-KR" sz="2400" dirty="0">
+                <a:solidFill>
+                  <a:schemeClr val="tx1">
+                    <a:lumMod val="85000"/>
+                    <a:lumOff val="15000"/>
+                  </a:schemeClr>
+                </a:solidFill>
+                <a:latin typeface="나눔바른고딕OTF Light" panose="02000303000000000000" pitchFamily="50" charset="-127"/>
+                <a:ea typeface="나눔바른고딕OTF Light" panose="02000303000000000000" pitchFamily="50" charset="-127"/>
+              </a:rPr>
+              <a:t>A*</a:t>
+            </a:r>
+            <a:r>
+              <a:rPr lang="ko-KR" altLang="en-US" sz="2400" dirty="0">
+                <a:solidFill>
+                  <a:schemeClr val="tx1">
+                    <a:lumMod val="85000"/>
+                    <a:lumOff val="15000"/>
+                  </a:schemeClr>
+                </a:solidFill>
+                <a:latin typeface="나눔바른고딕OTF Light" panose="02000303000000000000" pitchFamily="50" charset="-127"/>
+                <a:ea typeface="나눔바른고딕OTF Light" panose="02000303000000000000" pitchFamily="50" charset="-127"/>
+              </a:rPr>
+              <a:t>와 </a:t>
+            </a:r>
+            <a:r>
+              <a:rPr lang="en-US" altLang="ko-KR" sz="2400" dirty="0">
+                <a:solidFill>
+                  <a:schemeClr val="tx1">
+                    <a:lumMod val="85000"/>
+                    <a:lumOff val="15000"/>
+                  </a:schemeClr>
+                </a:solidFill>
+                <a:latin typeface="나눔바른고딕OTF Light" panose="02000303000000000000" pitchFamily="50" charset="-127"/>
+                <a:ea typeface="나눔바른고딕OTF Light" panose="02000303000000000000" pitchFamily="50" charset="-127"/>
+              </a:rPr>
+              <a:t>Path mesh</a:t>
+            </a:r>
+            <a:r>
+              <a:rPr lang="ko-KR" altLang="en-US" sz="2400" dirty="0">
+                <a:solidFill>
+                  <a:schemeClr val="tx1">
+                    <a:lumMod val="85000"/>
+                    <a:lumOff val="15000"/>
+                  </a:schemeClr>
+                </a:solidFill>
+                <a:latin typeface="나눔바른고딕OTF Light" panose="02000303000000000000" pitchFamily="50" charset="-127"/>
+                <a:ea typeface="나눔바른고딕OTF Light" panose="02000303000000000000" pitchFamily="50" charset="-127"/>
+              </a:rPr>
+              <a:t>로 몬스터 </a:t>
+            </a:r>
+            <a:r>
+              <a:rPr lang="en-US" altLang="ko-KR" sz="2400" dirty="0">
+                <a:solidFill>
+                  <a:schemeClr val="tx1">
+                    <a:lumMod val="85000"/>
+                    <a:lumOff val="15000"/>
+                  </a:schemeClr>
+                </a:solidFill>
+                <a:latin typeface="나눔바른고딕OTF Light" panose="02000303000000000000" pitchFamily="50" charset="-127"/>
+                <a:ea typeface="나눔바른고딕OTF Light" panose="02000303000000000000" pitchFamily="50" charset="-127"/>
+              </a:rPr>
+              <a:t>AI </a:t>
+            </a:r>
+            <a:r>
+              <a:rPr lang="ko-KR" altLang="en-US" sz="2400" dirty="0">
+                <a:solidFill>
+                  <a:schemeClr val="tx1">
+                    <a:lumMod val="85000"/>
+                    <a:lumOff val="15000"/>
+                  </a:schemeClr>
+                </a:solidFill>
+                <a:latin typeface="나눔바른고딕OTF Light" panose="02000303000000000000" pitchFamily="50" charset="-127"/>
+                <a:ea typeface="나눔바른고딕OTF Light" panose="02000303000000000000" pitchFamily="50" charset="-127"/>
+              </a:rPr>
+              <a:t>구현  </a:t>
+            </a:r>
+          </a:p>
+        </p:txBody>
+      </p:sp>
+      <p:sp>
+        <p:nvSpPr>
+          <p:cNvPr id="11" name="TextBox 10">
+            <a:extLst>
+              <a:ext uri="{FF2B5EF4-FFF2-40B4-BE49-F238E27FC236}">
+                <a16:creationId xmlns:a16="http://schemas.microsoft.com/office/drawing/2014/main" id="{92327C20-70BD-420E-B29D-EECB4F5484D8}"/>
+              </a:ext>
+            </a:extLst>
+          </p:cNvPr>
+          <p:cNvSpPr txBox="1"/>
+          <p:nvPr/>
+        </p:nvSpPr>
+        <p:spPr>
+          <a:xfrm>
+            <a:off x="5955319" y="4747195"/>
+            <a:ext cx="6147004" cy="1077218"/>
+          </a:xfrm>
+          <a:prstGeom prst="rect">
+            <a:avLst/>
+          </a:prstGeom>
+          <a:noFill/>
+        </p:spPr>
+        <p:txBody>
+          <a:bodyPr wrap="none" rtlCol="0">
+            <a:spAutoFit/>
+          </a:bodyPr>
+          <a:lstStyle/>
+          <a:p>
+            <a:r>
+              <a:rPr lang="en-US" altLang="ko-KR" sz="4000" dirty="0">
+                <a:solidFill>
+                  <a:schemeClr val="tx1">
+                    <a:lumMod val="85000"/>
+                    <a:lumOff val="15000"/>
+                  </a:schemeClr>
+                </a:solidFill>
+                <a:latin typeface="Noto Sans KR Black" panose="020B0A00000000000000" pitchFamily="34" charset="-127"/>
+                <a:ea typeface="Noto Sans KR Black" panose="020B0A00000000000000" pitchFamily="34" charset="-127"/>
+              </a:rPr>
+              <a:t>3D</a:t>
+            </a:r>
+            <a:r>
+              <a:rPr lang="ko-KR" altLang="en-US" sz="4000" dirty="0">
+                <a:solidFill>
+                  <a:schemeClr val="tx1">
+                    <a:lumMod val="85000"/>
+                    <a:lumOff val="15000"/>
+                  </a:schemeClr>
+                </a:solidFill>
+                <a:latin typeface="Noto Sans KR Black" panose="020B0A00000000000000" pitchFamily="34" charset="-127"/>
+                <a:ea typeface="Noto Sans KR Black" panose="020B0A00000000000000" pitchFamily="34" charset="-127"/>
+              </a:rPr>
+              <a:t>지형 </a:t>
+            </a:r>
+            <a:r>
+              <a:rPr lang="en-US" altLang="ko-KR" sz="4000" dirty="0">
+                <a:solidFill>
+                  <a:schemeClr val="tx1">
+                    <a:lumMod val="85000"/>
+                    <a:lumOff val="15000"/>
+                  </a:schemeClr>
+                </a:solidFill>
+                <a:latin typeface="Noto Sans KR Black" panose="020B0A00000000000000" pitchFamily="34" charset="-127"/>
+                <a:ea typeface="Noto Sans KR Black" panose="020B0A00000000000000" pitchFamily="34" charset="-127"/>
+              </a:rPr>
+              <a:t>Polygon </a:t>
+            </a:r>
+            <a:r>
+              <a:rPr lang="ko-KR" altLang="en-US" sz="4000" dirty="0">
+                <a:solidFill>
+                  <a:schemeClr val="tx1">
+                    <a:lumMod val="85000"/>
+                    <a:lumOff val="15000"/>
+                  </a:schemeClr>
+                </a:solidFill>
+                <a:latin typeface="Noto Sans KR Black" panose="020B0A00000000000000" pitchFamily="34" charset="-127"/>
+                <a:ea typeface="Noto Sans KR Black" panose="020B0A00000000000000" pitchFamily="34" charset="-127"/>
+              </a:rPr>
+              <a:t>충돌처리</a:t>
+            </a:r>
+            <a:endParaRPr lang="en-US" altLang="ko-KR" sz="4000" dirty="0">
+              <a:solidFill>
+                <a:schemeClr val="tx1">
+                  <a:lumMod val="85000"/>
+                  <a:lumOff val="15000"/>
+                </a:schemeClr>
+              </a:solidFill>
+              <a:latin typeface="Noto Sans KR Black" panose="020B0A00000000000000" pitchFamily="34" charset="-127"/>
+              <a:ea typeface="Noto Sans KR Black" panose="020B0A00000000000000" pitchFamily="34" charset="-127"/>
+            </a:endParaRPr>
+          </a:p>
+          <a:p>
+            <a:r>
+              <a:rPr lang="ko-KR" altLang="en-US" sz="2400" dirty="0">
+                <a:solidFill>
+                  <a:schemeClr val="tx1">
+                    <a:lumMod val="85000"/>
+                    <a:lumOff val="15000"/>
+                  </a:schemeClr>
+                </a:solidFill>
+                <a:latin typeface="나눔바른고딕OTF Light" panose="02000303000000000000" pitchFamily="50" charset="-127"/>
+                <a:ea typeface="나눔바른고딕OTF Light" panose="02000303000000000000" pitchFamily="50" charset="-127"/>
+              </a:rPr>
+              <a:t>검색 </a:t>
+            </a:r>
+            <a:r>
+              <a:rPr lang="en-US" altLang="ko-KR" sz="2400" dirty="0">
+                <a:solidFill>
+                  <a:schemeClr val="tx1">
+                    <a:lumMod val="85000"/>
+                    <a:lumOff val="15000"/>
+                  </a:schemeClr>
+                </a:solidFill>
+                <a:latin typeface="나눔바른고딕OTF Light" panose="02000303000000000000" pitchFamily="50" charset="-127"/>
+                <a:ea typeface="나눔바른고딕OTF Light" panose="02000303000000000000" pitchFamily="50" charset="-127"/>
+              </a:rPr>
+              <a:t>Data</a:t>
+            </a:r>
+            <a:r>
+              <a:rPr lang="ko-KR" altLang="en-US" sz="2400" dirty="0">
+                <a:solidFill>
+                  <a:schemeClr val="tx1">
+                    <a:lumMod val="85000"/>
+                    <a:lumOff val="15000"/>
+                  </a:schemeClr>
+                </a:solidFill>
+                <a:latin typeface="나눔바른고딕OTF Light" panose="02000303000000000000" pitchFamily="50" charset="-127"/>
+                <a:ea typeface="나눔바른고딕OTF Light" panose="02000303000000000000" pitchFamily="50" charset="-127"/>
+              </a:rPr>
+              <a:t> 최적화로 충돌검색 속도 향상</a:t>
             </a:r>
           </a:p>
         </p:txBody>
@@ -11782,7 +12109,7 @@
         <p:spPr>
           <a:xfrm>
             <a:off x="184728" y="3983793"/>
-            <a:ext cx="8411277" cy="1815882"/>
+            <a:ext cx="9063700" cy="1815882"/>
           </a:xfrm>
           <a:prstGeom prst="rect">
             <a:avLst/>
@@ -11848,7 +12175,7 @@
                 <a:latin typeface="나눔바른고딕OTF Light" panose="02000303000000000000" pitchFamily="50" charset="-127"/>
                 <a:ea typeface="나눔바른고딕OTF Light" panose="02000303000000000000" pitchFamily="50" charset="-127"/>
               </a:rPr>
-              <a:t>김</a:t>
+              <a:t>소켓 프로그래밍 이해</a:t>
             </a:r>
             <a:endParaRPr lang="en-US" altLang="ko-KR" sz="2400" dirty="0">
               <a:solidFill>
@@ -11877,7 +12204,7 @@
                 <a:latin typeface="나눔바른고딕OTF Light" panose="02000303000000000000" pitchFamily="50" charset="-127"/>
                 <a:ea typeface="나눔바른고딕OTF Light" panose="02000303000000000000" pitchFamily="50" charset="-127"/>
               </a:rPr>
-              <a:t>재</a:t>
+              <a:t>시야 처리와 멀티 쓰레드 프로그래밍으로 </a:t>
             </a:r>
             <a:endParaRPr lang="en-US" altLang="ko-KR" sz="2400" dirty="0">
               <a:solidFill>
@@ -11891,10 +12218,19 @@
             </a:endParaRPr>
           </a:p>
           <a:p>
-            <a:pPr marL="342900" indent="-342900">
-              <a:buFontTx/>
-              <a:buChar char="-"/>
-            </a:pPr>
+            <a:r>
+              <a:rPr lang="en-US" altLang="ko-KR" sz="2400" dirty="0">
+                <a:solidFill>
+                  <a:schemeClr val="tx1">
+                    <a:lumMod val="85000"/>
+                    <a:lumOff val="15000"/>
+                  </a:schemeClr>
+                </a:solidFill>
+                <a:latin typeface="나눔바른고딕OTF Light" panose="02000303000000000000" pitchFamily="50" charset="-127"/>
+                <a:ea typeface="나눔바른고딕OTF Light" panose="02000303000000000000" pitchFamily="50" charset="-127"/>
+              </a:rPr>
+              <a:t>    </a:t>
+            </a:r>
             <a:r>
               <a:rPr lang="ko-KR" altLang="en-US" sz="2400" dirty="0">
                 <a:solidFill>
@@ -11906,8 +12242,18 @@
                 <a:latin typeface="나눔바른고딕OTF Light" panose="02000303000000000000" pitchFamily="50" charset="-127"/>
                 <a:ea typeface="나눔바른고딕OTF Light" panose="02000303000000000000" pitchFamily="50" charset="-127"/>
               </a:rPr>
-              <a:t>원</a:t>
-            </a:r>
+              <a:t>높은 동시접속자수를 처리할 수 있는 서버 구현</a:t>
+            </a:r>
+            <a:endParaRPr lang="en-US" altLang="ko-KR" sz="2400" dirty="0">
+              <a:solidFill>
+                <a:schemeClr val="tx1">
+                  <a:lumMod val="85000"/>
+                  <a:lumOff val="15000"/>
+                </a:schemeClr>
+              </a:solidFill>
+              <a:latin typeface="나눔바른고딕OTF Light" panose="02000303000000000000" pitchFamily="50" charset="-127"/>
+              <a:ea typeface="나눔바른고딕OTF Light" panose="02000303000000000000" pitchFamily="50" charset="-127"/>
+            </a:endParaRPr>
           </a:p>
         </p:txBody>
       </p:sp>
